--- a/Mint/企画担当部門/憑依型シューティングゲーム.pptx
+++ b/Mint/企画担当部門/憑依型シューティングゲーム.pptx
@@ -356,7 +356,7 @@
           <a:p>
             <a:fld id="{5556135E-8E1D-4038-A70C-1F4B0361DB9F}" type="datetimeFigureOut">
               <a:rPr kumimoji="1" lang="ja-JP" altLang="en-US" smtClean="0"/>
-              <a:t>2019/4/22</a:t>
+              <a:t>2019/4/23</a:t>
             </a:fld>
             <a:endParaRPr kumimoji="1" lang="ja-JP" altLang="en-US"/>
           </a:p>
@@ -690,7 +690,7 @@
           <a:p>
             <a:fld id="{5556135E-8E1D-4038-A70C-1F4B0361DB9F}" type="datetimeFigureOut">
               <a:rPr kumimoji="1" lang="ja-JP" altLang="en-US" smtClean="0"/>
-              <a:t>2019/4/22</a:t>
+              <a:t>2019/4/23</a:t>
             </a:fld>
             <a:endParaRPr kumimoji="1" lang="ja-JP" altLang="en-US"/>
           </a:p>
@@ -968,7 +968,7 @@
           <a:p>
             <a:fld id="{5556135E-8E1D-4038-A70C-1F4B0361DB9F}" type="datetimeFigureOut">
               <a:rPr kumimoji="1" lang="ja-JP" altLang="en-US" smtClean="0"/>
-              <a:t>2019/4/22</a:t>
+              <a:t>2019/4/23</a:t>
             </a:fld>
             <a:endParaRPr kumimoji="1" lang="ja-JP" altLang="en-US"/>
           </a:p>
@@ -1536,7 +1536,7 @@
           <a:p>
             <a:fld id="{5556135E-8E1D-4038-A70C-1F4B0361DB9F}" type="datetimeFigureOut">
               <a:rPr kumimoji="1" lang="ja-JP" altLang="en-US" smtClean="0"/>
-              <a:t>2019/4/22</a:t>
+              <a:t>2019/4/23</a:t>
             </a:fld>
             <a:endParaRPr kumimoji="1" lang="ja-JP" altLang="en-US"/>
           </a:p>
@@ -1814,7 +1814,7 @@
           <a:p>
             <a:fld id="{5556135E-8E1D-4038-A70C-1F4B0361DB9F}" type="datetimeFigureOut">
               <a:rPr kumimoji="1" lang="ja-JP" altLang="en-US" smtClean="0"/>
-              <a:t>2019/4/22</a:t>
+              <a:t>2019/4/23</a:t>
             </a:fld>
             <a:endParaRPr kumimoji="1" lang="ja-JP" altLang="en-US"/>
           </a:p>
@@ -2376,7 +2376,7 @@
           <a:p>
             <a:fld id="{5556135E-8E1D-4038-A70C-1F4B0361DB9F}" type="datetimeFigureOut">
               <a:rPr kumimoji="1" lang="ja-JP" altLang="en-US" smtClean="0"/>
-              <a:t>2019/4/22</a:t>
+              <a:t>2019/4/23</a:t>
             </a:fld>
             <a:endParaRPr kumimoji="1" lang="ja-JP" altLang="en-US"/>
           </a:p>
@@ -2703,7 +2703,7 @@
           <a:p>
             <a:fld id="{5556135E-8E1D-4038-A70C-1F4B0361DB9F}" type="datetimeFigureOut">
               <a:rPr kumimoji="1" lang="ja-JP" altLang="en-US" smtClean="0"/>
-              <a:t>2019/4/22</a:t>
+              <a:t>2019/4/23</a:t>
             </a:fld>
             <a:endParaRPr kumimoji="1" lang="ja-JP" altLang="en-US"/>
           </a:p>
@@ -2912,7 +2912,7 @@
           <a:p>
             <a:fld id="{5556135E-8E1D-4038-A70C-1F4B0361DB9F}" type="datetimeFigureOut">
               <a:rPr kumimoji="1" lang="ja-JP" altLang="en-US" smtClean="0"/>
-              <a:t>2019/4/22</a:t>
+              <a:t>2019/4/23</a:t>
             </a:fld>
             <a:endParaRPr kumimoji="1" lang="ja-JP" altLang="en-US"/>
           </a:p>
@@ -3182,7 +3182,7 @@
           <a:p>
             <a:fld id="{5556135E-8E1D-4038-A70C-1F4B0361DB9F}" type="datetimeFigureOut">
               <a:rPr kumimoji="1" lang="ja-JP" altLang="en-US" smtClean="0"/>
-              <a:t>2019/4/22</a:t>
+              <a:t>2019/4/23</a:t>
             </a:fld>
             <a:endParaRPr kumimoji="1" lang="ja-JP" altLang="en-US"/>
           </a:p>
@@ -3414,7 +3414,7 @@
           <a:p>
             <a:fld id="{5556135E-8E1D-4038-A70C-1F4B0361DB9F}" type="datetimeFigureOut">
               <a:rPr kumimoji="1" lang="ja-JP" altLang="en-US" smtClean="0"/>
-              <a:t>2019/4/22</a:t>
+              <a:t>2019/4/23</a:t>
             </a:fld>
             <a:endParaRPr kumimoji="1" lang="ja-JP" altLang="en-US"/>
           </a:p>
@@ -3690,7 +3690,7 @@
           <a:p>
             <a:fld id="{5556135E-8E1D-4038-A70C-1F4B0361DB9F}" type="datetimeFigureOut">
               <a:rPr kumimoji="1" lang="ja-JP" altLang="en-US" smtClean="0"/>
-              <a:t>2019/4/22</a:t>
+              <a:t>2019/4/23</a:t>
             </a:fld>
             <a:endParaRPr kumimoji="1" lang="ja-JP" altLang="en-US"/>
           </a:p>
@@ -4020,7 +4020,7 @@
           <a:p>
             <a:fld id="{5556135E-8E1D-4038-A70C-1F4B0361DB9F}" type="datetimeFigureOut">
               <a:rPr kumimoji="1" lang="ja-JP" altLang="en-US" smtClean="0"/>
-              <a:t>2019/4/22</a:t>
+              <a:t>2019/4/23</a:t>
             </a:fld>
             <a:endParaRPr kumimoji="1" lang="ja-JP" altLang="en-US"/>
           </a:p>
@@ -4458,7 +4458,7 @@
           <a:p>
             <a:fld id="{5556135E-8E1D-4038-A70C-1F4B0361DB9F}" type="datetimeFigureOut">
               <a:rPr kumimoji="1" lang="ja-JP" altLang="en-US" smtClean="0"/>
-              <a:t>2019/4/22</a:t>
+              <a:t>2019/4/23</a:t>
             </a:fld>
             <a:endParaRPr kumimoji="1" lang="ja-JP" altLang="en-US"/>
           </a:p>
@@ -4606,7 +4606,7 @@
           <a:p>
             <a:fld id="{5556135E-8E1D-4038-A70C-1F4B0361DB9F}" type="datetimeFigureOut">
               <a:rPr kumimoji="1" lang="ja-JP" altLang="en-US" smtClean="0"/>
-              <a:t>2019/4/22</a:t>
+              <a:t>2019/4/23</a:t>
             </a:fld>
             <a:endParaRPr kumimoji="1" lang="ja-JP" altLang="en-US"/>
           </a:p>
@@ -4731,7 +4731,7 @@
           <a:p>
             <a:fld id="{5556135E-8E1D-4038-A70C-1F4B0361DB9F}" type="datetimeFigureOut">
               <a:rPr kumimoji="1" lang="ja-JP" altLang="en-US" smtClean="0"/>
-              <a:t>2019/4/22</a:t>
+              <a:t>2019/4/23</a:t>
             </a:fld>
             <a:endParaRPr kumimoji="1" lang="ja-JP" altLang="en-US"/>
           </a:p>
@@ -5048,7 +5048,7 @@
           <a:p>
             <a:fld id="{5556135E-8E1D-4038-A70C-1F4B0361DB9F}" type="datetimeFigureOut">
               <a:rPr kumimoji="1" lang="ja-JP" altLang="en-US" smtClean="0"/>
-              <a:t>2019/4/22</a:t>
+              <a:t>2019/4/23</a:t>
             </a:fld>
             <a:endParaRPr kumimoji="1" lang="ja-JP" altLang="en-US"/>
           </a:p>
@@ -5372,7 +5372,7 @@
           <a:p>
             <a:fld id="{5556135E-8E1D-4038-A70C-1F4B0361DB9F}" type="datetimeFigureOut">
               <a:rPr kumimoji="1" lang="ja-JP" altLang="en-US" smtClean="0"/>
-              <a:t>2019/4/22</a:t>
+              <a:t>2019/4/23</a:t>
             </a:fld>
             <a:endParaRPr kumimoji="1" lang="ja-JP" altLang="en-US"/>
           </a:p>
@@ -5618,7 +5618,7 @@
           <a:p>
             <a:fld id="{5556135E-8E1D-4038-A70C-1F4B0361DB9F}" type="datetimeFigureOut">
               <a:rPr kumimoji="1" lang="ja-JP" altLang="en-US" smtClean="0"/>
-              <a:t>2019/4/22</a:t>
+              <a:t>2019/4/23</a:t>
             </a:fld>
             <a:endParaRPr kumimoji="1" lang="ja-JP" altLang="en-US"/>
           </a:p>
@@ -7450,15 +7450,7 @@
             </a:r>
             <a:r>
               <a:rPr lang="ja-JP" altLang="en-US" dirty="0" smtClean="0"/>
-              <a:t>なって</a:t>
-            </a:r>
-            <a:r>
-              <a:rPr lang="ja-JP" altLang="en-US" dirty="0" smtClean="0"/>
-              <a:t>取り憑く</a:t>
-            </a:r>
-            <a:r>
-              <a:rPr lang="ja-JP" altLang="en-US" dirty="0" smtClean="0"/>
-              <a:t>、</a:t>
+              <a:t>なって取り憑く、</a:t>
             </a:r>
             <a:r>
               <a:rPr lang="ja-JP" altLang="en-US" dirty="0"/>
@@ -7618,7 +7610,86 @@
           <a:p>
             <a:r>
               <a:rPr kumimoji="1" lang="ja-JP" altLang="en-US" dirty="0"/>
-              <a:t>敵キャラクターに取り憑いている場合は自プレイヤーのステータスは取り憑いている敵キャラクターに依存する（体力、移動速度、弾種、当たり判定等）</a:t>
+              <a:t>敵キャラクターに取り憑いている場合は自プレイヤーのステータスは取り憑いている敵キャラクターに依存する（体力、移動速度、弾種、当たり判定等</a:t>
+            </a:r>
+            <a:r>
+              <a:rPr kumimoji="1" lang="ja-JP" altLang="en-US" dirty="0" smtClean="0"/>
+              <a:t>）</a:t>
+            </a:r>
+            <a:endParaRPr kumimoji="1" lang="en-US" altLang="ja-JP" dirty="0" smtClean="0"/>
+          </a:p>
+          <a:p>
+            <a:r>
+              <a:rPr lang="ja-JP" altLang="en-US" dirty="0"/>
+              <a:t>敵</a:t>
+            </a:r>
+            <a:r>
+              <a:rPr lang="ja-JP" altLang="en-US" dirty="0" smtClean="0"/>
+              <a:t>のショットをぎりぎりでかわすとボーナス得点</a:t>
+            </a:r>
+            <a:r>
+              <a:rPr lang="ja-JP" altLang="en-US" smtClean="0"/>
+              <a:t>が入る</a:t>
+            </a:r>
+            <a:r>
+              <a:rPr lang="el-GR" altLang="ja-JP" smtClean="0"/>
+              <a:t>( </a:t>
+            </a:r>
+            <a:r>
+              <a:rPr lang="ja-JP" altLang="en-US" dirty="0" smtClean="0"/>
+              <a:t>：</a:t>
+            </a:r>
+            <a:r>
+              <a:rPr lang="el-GR" altLang="ja-JP" dirty="0" smtClean="0"/>
+              <a:t>´</a:t>
+            </a:r>
+            <a:r>
+              <a:rPr lang="ja-JP" altLang="el-GR" dirty="0"/>
+              <a:t>･</a:t>
+            </a:r>
+            <a:r>
+              <a:rPr lang="el-GR" altLang="ja-JP" dirty="0"/>
+              <a:t>ω</a:t>
+            </a:r>
+            <a:r>
+              <a:rPr lang="ja-JP" altLang="el-GR" dirty="0"/>
+              <a:t>・</a:t>
+            </a:r>
+            <a:r>
+              <a:rPr lang="el-GR" altLang="ja-JP" dirty="0"/>
+              <a:t>)</a:t>
+            </a:r>
+            <a:r>
+              <a:rPr lang="ja-JP" altLang="en-US" dirty="0" smtClean="0"/>
+              <a:t>パーティクル</a:t>
+            </a:r>
+            <a:r>
+              <a:rPr lang="el-GR" altLang="ja-JP" dirty="0"/>
+              <a:t>(</a:t>
+            </a:r>
+            <a:r>
+              <a:rPr lang="ja-JP" altLang="el-GR" dirty="0"/>
+              <a:t>･</a:t>
+            </a:r>
+            <a:r>
+              <a:rPr lang="el-GR" altLang="ja-JP" dirty="0"/>
+              <a:t>ω</a:t>
+            </a:r>
+            <a:r>
+              <a:rPr lang="ja-JP" altLang="el-GR" dirty="0"/>
+              <a:t>･</a:t>
+            </a:r>
+            <a:r>
+              <a:rPr lang="ja-JP" altLang="el-GR" dirty="0" smtClean="0"/>
+              <a:t>｀</a:t>
+            </a:r>
+            <a:r>
+              <a:rPr lang="ja-JP" altLang="en-US" dirty="0"/>
+              <a:t>：</a:t>
+            </a:r>
+            <a:r>
+              <a:rPr lang="el-GR" altLang="ja-JP" dirty="0" smtClean="0"/>
+              <a:t>)</a:t>
             </a:r>
             <a:endParaRPr kumimoji="1" lang="en-US" altLang="ja-JP" dirty="0"/>
           </a:p>
@@ -8244,7 +8315,7 @@
         <p:spPr/>
         <p:txBody>
           <a:bodyPr>
-            <a:normAutofit fontScale="92500" lnSpcReduction="10000"/>
+            <a:normAutofit fontScale="92500" lnSpcReduction="20000"/>
           </a:bodyPr>
           <a:lstStyle/>
           <a:p>
@@ -8297,7 +8368,18 @@
             <a:pPr lvl="1"/>
             <a:r>
               <a:rPr kumimoji="1" lang="ja-JP" altLang="en-US" dirty="0"/>
-              <a:t>レベルアップで弾の放射密度を増していく</a:t>
+              <a:t>レベルアップで弾の放射密度を増して</a:t>
+            </a:r>
+            <a:r>
+              <a:rPr kumimoji="1" lang="ja-JP" altLang="en-US" dirty="0" smtClean="0"/>
+              <a:t>いく</a:t>
+            </a:r>
+            <a:endParaRPr kumimoji="1" lang="en-US" altLang="ja-JP" dirty="0" smtClean="0"/>
+          </a:p>
+          <a:p>
+            <a:r>
+              <a:rPr lang="ja-JP" altLang="en-US" smtClean="0"/>
+              <a:t>レーザー式・・・敵キャラクターが打つことができる</a:t>
             </a:r>
             <a:endParaRPr kumimoji="1" lang="en-US" altLang="ja-JP" dirty="0"/>
           </a:p>

--- a/Mint/企画担当部門/憑依型シューティングゲーム.pptx
+++ b/Mint/企画担当部門/憑依型シューティングゲーム.pptx
@@ -356,7 +356,7 @@
           <a:p>
             <a:fld id="{5556135E-8E1D-4038-A70C-1F4B0361DB9F}" type="datetimeFigureOut">
               <a:rPr kumimoji="1" lang="ja-JP" altLang="en-US" smtClean="0"/>
-              <a:t>2019/4/23</a:t>
+              <a:t>2019/4/25</a:t>
             </a:fld>
             <a:endParaRPr kumimoji="1" lang="ja-JP" altLang="en-US"/>
           </a:p>
@@ -690,7 +690,7 @@
           <a:p>
             <a:fld id="{5556135E-8E1D-4038-A70C-1F4B0361DB9F}" type="datetimeFigureOut">
               <a:rPr kumimoji="1" lang="ja-JP" altLang="en-US" smtClean="0"/>
-              <a:t>2019/4/23</a:t>
+              <a:t>2019/4/25</a:t>
             </a:fld>
             <a:endParaRPr kumimoji="1" lang="ja-JP" altLang="en-US"/>
           </a:p>
@@ -968,7 +968,7 @@
           <a:p>
             <a:fld id="{5556135E-8E1D-4038-A70C-1F4B0361DB9F}" type="datetimeFigureOut">
               <a:rPr kumimoji="1" lang="ja-JP" altLang="en-US" smtClean="0"/>
-              <a:t>2019/4/23</a:t>
+              <a:t>2019/4/25</a:t>
             </a:fld>
             <a:endParaRPr kumimoji="1" lang="ja-JP" altLang="en-US"/>
           </a:p>
@@ -1536,7 +1536,7 @@
           <a:p>
             <a:fld id="{5556135E-8E1D-4038-A70C-1F4B0361DB9F}" type="datetimeFigureOut">
               <a:rPr kumimoji="1" lang="ja-JP" altLang="en-US" smtClean="0"/>
-              <a:t>2019/4/23</a:t>
+              <a:t>2019/4/25</a:t>
             </a:fld>
             <a:endParaRPr kumimoji="1" lang="ja-JP" altLang="en-US"/>
           </a:p>
@@ -1814,7 +1814,7 @@
           <a:p>
             <a:fld id="{5556135E-8E1D-4038-A70C-1F4B0361DB9F}" type="datetimeFigureOut">
               <a:rPr kumimoji="1" lang="ja-JP" altLang="en-US" smtClean="0"/>
-              <a:t>2019/4/23</a:t>
+              <a:t>2019/4/25</a:t>
             </a:fld>
             <a:endParaRPr kumimoji="1" lang="ja-JP" altLang="en-US"/>
           </a:p>
@@ -2376,7 +2376,7 @@
           <a:p>
             <a:fld id="{5556135E-8E1D-4038-A70C-1F4B0361DB9F}" type="datetimeFigureOut">
               <a:rPr kumimoji="1" lang="ja-JP" altLang="en-US" smtClean="0"/>
-              <a:t>2019/4/23</a:t>
+              <a:t>2019/4/25</a:t>
             </a:fld>
             <a:endParaRPr kumimoji="1" lang="ja-JP" altLang="en-US"/>
           </a:p>
@@ -2703,7 +2703,7 @@
           <a:p>
             <a:fld id="{5556135E-8E1D-4038-A70C-1F4B0361DB9F}" type="datetimeFigureOut">
               <a:rPr kumimoji="1" lang="ja-JP" altLang="en-US" smtClean="0"/>
-              <a:t>2019/4/23</a:t>
+              <a:t>2019/4/25</a:t>
             </a:fld>
             <a:endParaRPr kumimoji="1" lang="ja-JP" altLang="en-US"/>
           </a:p>
@@ -2912,7 +2912,7 @@
           <a:p>
             <a:fld id="{5556135E-8E1D-4038-A70C-1F4B0361DB9F}" type="datetimeFigureOut">
               <a:rPr kumimoji="1" lang="ja-JP" altLang="en-US" smtClean="0"/>
-              <a:t>2019/4/23</a:t>
+              <a:t>2019/4/25</a:t>
             </a:fld>
             <a:endParaRPr kumimoji="1" lang="ja-JP" altLang="en-US"/>
           </a:p>
@@ -3182,7 +3182,7 @@
           <a:p>
             <a:fld id="{5556135E-8E1D-4038-A70C-1F4B0361DB9F}" type="datetimeFigureOut">
               <a:rPr kumimoji="1" lang="ja-JP" altLang="en-US" smtClean="0"/>
-              <a:t>2019/4/23</a:t>
+              <a:t>2019/4/25</a:t>
             </a:fld>
             <a:endParaRPr kumimoji="1" lang="ja-JP" altLang="en-US"/>
           </a:p>
@@ -3414,7 +3414,7 @@
           <a:p>
             <a:fld id="{5556135E-8E1D-4038-A70C-1F4B0361DB9F}" type="datetimeFigureOut">
               <a:rPr kumimoji="1" lang="ja-JP" altLang="en-US" smtClean="0"/>
-              <a:t>2019/4/23</a:t>
+              <a:t>2019/4/25</a:t>
             </a:fld>
             <a:endParaRPr kumimoji="1" lang="ja-JP" altLang="en-US"/>
           </a:p>
@@ -3690,7 +3690,7 @@
           <a:p>
             <a:fld id="{5556135E-8E1D-4038-A70C-1F4B0361DB9F}" type="datetimeFigureOut">
               <a:rPr kumimoji="1" lang="ja-JP" altLang="en-US" smtClean="0"/>
-              <a:t>2019/4/23</a:t>
+              <a:t>2019/4/25</a:t>
             </a:fld>
             <a:endParaRPr kumimoji="1" lang="ja-JP" altLang="en-US"/>
           </a:p>
@@ -4020,7 +4020,7 @@
           <a:p>
             <a:fld id="{5556135E-8E1D-4038-A70C-1F4B0361DB9F}" type="datetimeFigureOut">
               <a:rPr kumimoji="1" lang="ja-JP" altLang="en-US" smtClean="0"/>
-              <a:t>2019/4/23</a:t>
+              <a:t>2019/4/25</a:t>
             </a:fld>
             <a:endParaRPr kumimoji="1" lang="ja-JP" altLang="en-US"/>
           </a:p>
@@ -4458,7 +4458,7 @@
           <a:p>
             <a:fld id="{5556135E-8E1D-4038-A70C-1F4B0361DB9F}" type="datetimeFigureOut">
               <a:rPr kumimoji="1" lang="ja-JP" altLang="en-US" smtClean="0"/>
-              <a:t>2019/4/23</a:t>
+              <a:t>2019/4/25</a:t>
             </a:fld>
             <a:endParaRPr kumimoji="1" lang="ja-JP" altLang="en-US"/>
           </a:p>
@@ -4606,7 +4606,7 @@
           <a:p>
             <a:fld id="{5556135E-8E1D-4038-A70C-1F4B0361DB9F}" type="datetimeFigureOut">
               <a:rPr kumimoji="1" lang="ja-JP" altLang="en-US" smtClean="0"/>
-              <a:t>2019/4/23</a:t>
+              <a:t>2019/4/25</a:t>
             </a:fld>
             <a:endParaRPr kumimoji="1" lang="ja-JP" altLang="en-US"/>
           </a:p>
@@ -4731,7 +4731,7 @@
           <a:p>
             <a:fld id="{5556135E-8E1D-4038-A70C-1F4B0361DB9F}" type="datetimeFigureOut">
               <a:rPr kumimoji="1" lang="ja-JP" altLang="en-US" smtClean="0"/>
-              <a:t>2019/4/23</a:t>
+              <a:t>2019/4/25</a:t>
             </a:fld>
             <a:endParaRPr kumimoji="1" lang="ja-JP" altLang="en-US"/>
           </a:p>
@@ -5048,7 +5048,7 @@
           <a:p>
             <a:fld id="{5556135E-8E1D-4038-A70C-1F4B0361DB9F}" type="datetimeFigureOut">
               <a:rPr kumimoji="1" lang="ja-JP" altLang="en-US" smtClean="0"/>
-              <a:t>2019/4/23</a:t>
+              <a:t>2019/4/25</a:t>
             </a:fld>
             <a:endParaRPr kumimoji="1" lang="ja-JP" altLang="en-US"/>
           </a:p>
@@ -5372,7 +5372,7 @@
           <a:p>
             <a:fld id="{5556135E-8E1D-4038-A70C-1F4B0361DB9F}" type="datetimeFigureOut">
               <a:rPr kumimoji="1" lang="ja-JP" altLang="en-US" smtClean="0"/>
-              <a:t>2019/4/23</a:t>
+              <a:t>2019/4/25</a:t>
             </a:fld>
             <a:endParaRPr kumimoji="1" lang="ja-JP" altLang="en-US"/>
           </a:p>
@@ -5618,7 +5618,7 @@
           <a:p>
             <a:fld id="{5556135E-8E1D-4038-A70C-1F4B0361DB9F}" type="datetimeFigureOut">
               <a:rPr kumimoji="1" lang="ja-JP" altLang="en-US" smtClean="0"/>
-              <a:t>2019/4/23</a:t>
+              <a:t>2019/4/25</a:t>
             </a:fld>
             <a:endParaRPr kumimoji="1" lang="ja-JP" altLang="en-US"/>
           </a:p>
@@ -6158,8 +6158,12 @@
           <a:lstStyle/>
           <a:p>
             <a:r>
-              <a:rPr kumimoji="1" lang="ja-JP" altLang="en-US" dirty="0"/>
-              <a:t>憑依型シューティングゲーム</a:t>
+              <a:rPr kumimoji="1" lang="ja-JP" altLang="en-US" dirty="0" smtClean="0"/>
+              <a:t>寄生型</a:t>
+            </a:r>
+            <a:r>
+              <a:rPr kumimoji="1" lang="ja-JP" altLang="en-US" dirty="0"/>
+              <a:t>シューティングゲーム</a:t>
             </a:r>
           </a:p>
         </p:txBody>
@@ -6692,8 +6696,12 @@
           <a:p>
             <a:pPr lvl="1"/>
             <a:r>
-              <a:rPr kumimoji="1" lang="ja-JP" altLang="en-US" dirty="0"/>
-              <a:t>一応憑依された時のことを考えてショットは単発式にしておく</a:t>
+              <a:rPr kumimoji="1" lang="ja-JP" altLang="en-US" dirty="0" smtClean="0"/>
+              <a:t>一応寄生された</a:t>
+            </a:r>
+            <a:r>
+              <a:rPr kumimoji="1" lang="ja-JP" altLang="en-US" dirty="0"/>
+              <a:t>時のことを考えてショットは単発式にしておく</a:t>
             </a:r>
             <a:endParaRPr kumimoji="1" lang="en-US" altLang="ja-JP" dirty="0"/>
           </a:p>
@@ -7212,14 +7220,26 @@
           <a:p>
             <a:r>
               <a:rPr kumimoji="1" lang="ja-JP" altLang="en-US" dirty="0"/>
-              <a:t>弱体化させることで憑依することもできる</a:t>
+              <a:t>弱体化させること</a:t>
+            </a:r>
+            <a:r>
+              <a:rPr kumimoji="1" lang="ja-JP" altLang="en-US" dirty="0" smtClean="0"/>
+              <a:t>で寄生する</a:t>
+            </a:r>
+            <a:r>
+              <a:rPr kumimoji="1" lang="ja-JP" altLang="en-US" dirty="0"/>
+              <a:t>こともできる</a:t>
             </a:r>
             <a:endParaRPr kumimoji="1" lang="en-US" altLang="ja-JP" dirty="0"/>
           </a:p>
           <a:p>
             <a:r>
+              <a:rPr lang="ja-JP" altLang="en-US" dirty="0" smtClean="0"/>
+              <a:t>寄生する</a:t>
+            </a:r>
+            <a:r>
               <a:rPr lang="ja-JP" altLang="en-US" dirty="0"/>
-              <a:t>憑依するとそのボスごとのスペルを回数制限付きだが打てることができるようになる</a:t>
+              <a:t>とそのボスごとのスペルを回数制限付きだが打てることができるようになる</a:t>
             </a:r>
             <a:endParaRPr kumimoji="1" lang="ja-JP" altLang="en-US" dirty="0"/>
           </a:p>
@@ -7437,8 +7457,20 @@
           </a:p>
           <a:p>
             <a:r>
+              <a:rPr lang="ja-JP" altLang="en-US" dirty="0" smtClean="0"/>
+              <a:t>寄生・</a:t>
+            </a:r>
+            <a:r>
               <a:rPr lang="ja-JP" altLang="en-US" dirty="0"/>
-              <a:t>憑依・・・この設定を生かすには、自プレイヤーを何かしらに取り憑くことができるようにしなければならない</a:t>
+              <a:t>・・この設定を生かすには、自プレイヤーを何かしら</a:t>
+            </a:r>
+            <a:r>
+              <a:rPr lang="ja-JP" altLang="en-US" dirty="0" smtClean="0"/>
+              <a:t>に取り付くこと</a:t>
+            </a:r>
+            <a:r>
+              <a:rPr lang="ja-JP" altLang="en-US" dirty="0"/>
+              <a:t>ができるようにしなければならない</a:t>
             </a:r>
             <a:endParaRPr lang="en-US" altLang="ja-JP" dirty="0"/>
           </a:p>
@@ -7450,7 +7482,7 @@
             </a:r>
             <a:r>
               <a:rPr lang="ja-JP" altLang="en-US" dirty="0" smtClean="0"/>
-              <a:t>なって取り憑く、</a:t>
+              <a:t>なって取り付く、</a:t>
             </a:r>
             <a:r>
               <a:rPr lang="ja-JP" altLang="en-US" dirty="0"/>
@@ -7575,15 +7607,35 @@
           <a:p>
             <a:r>
               <a:rPr kumimoji="1" lang="ja-JP" altLang="en-US" dirty="0"/>
-              <a:t>ので、敵キャラに取り憑き制御下に置く必要がある</a:t>
+              <a:t>ので、敵キャラに</a:t>
+            </a:r>
+            <a:r>
+              <a:rPr kumimoji="1" lang="ja-JP" altLang="en-US" dirty="0" smtClean="0"/>
+              <a:t>取り</a:t>
+            </a:r>
+            <a:r>
+              <a:rPr lang="ja-JP" altLang="en-US" dirty="0"/>
+              <a:t>付</a:t>
+            </a:r>
+            <a:r>
+              <a:rPr kumimoji="1" lang="ja-JP" altLang="en-US" dirty="0" smtClean="0"/>
+              <a:t>き</a:t>
+            </a:r>
+            <a:r>
+              <a:rPr kumimoji="1" lang="ja-JP" altLang="en-US" dirty="0"/>
+              <a:t>制御下に置く必要がある</a:t>
             </a:r>
             <a:endParaRPr kumimoji="1" lang="en-US" altLang="ja-JP" dirty="0"/>
           </a:p>
           <a:p>
             <a:pPr lvl="1"/>
             <a:r>
+              <a:rPr lang="ja-JP" altLang="en-US" dirty="0" smtClean="0"/>
+              <a:t>取り付き方</a:t>
+            </a:r>
+            <a:r>
               <a:rPr lang="ja-JP" altLang="en-US" dirty="0"/>
-              <a:t>取り憑き方・・・敵を</a:t>
+              <a:t>・・・敵を</a:t>
             </a:r>
             <a:r>
               <a:rPr lang="ja-JP" altLang="en-US" dirty="0">
@@ -7610,7 +7662,39 @@
           <a:p>
             <a:r>
               <a:rPr kumimoji="1" lang="ja-JP" altLang="en-US" dirty="0"/>
-              <a:t>敵キャラクターに取り憑いている場合は自プレイヤーのステータスは取り憑いている敵キャラクターに依存する（体力、移動速度、弾種、当たり判定等</a:t>
+              <a:t>敵キャラクターに</a:t>
+            </a:r>
+            <a:r>
+              <a:rPr kumimoji="1" lang="ja-JP" altLang="en-US" dirty="0" smtClean="0"/>
+              <a:t>取り</a:t>
+            </a:r>
+            <a:r>
+              <a:rPr lang="ja-JP" altLang="en-US" dirty="0"/>
+              <a:t>付</a:t>
+            </a:r>
+            <a:r>
+              <a:rPr kumimoji="1" lang="ja-JP" altLang="en-US" dirty="0" smtClean="0"/>
+              <a:t>いて</a:t>
+            </a:r>
+            <a:r>
+              <a:rPr kumimoji="1" lang="ja-JP" altLang="en-US" dirty="0"/>
+              <a:t>いる場合は自プレイヤーのステータスは</a:t>
+            </a:r>
+            <a:r>
+              <a:rPr kumimoji="1" lang="ja-JP" altLang="en-US" dirty="0" smtClean="0"/>
+              <a:t>取り</a:t>
+            </a:r>
+            <a:r>
+              <a:rPr lang="ja-JP" altLang="en-US" dirty="0"/>
+              <a:t>付</a:t>
+            </a:r>
+            <a:r>
+              <a:rPr kumimoji="1" lang="ja-JP" altLang="en-US" dirty="0" smtClean="0"/>
+              <a:t>いて</a:t>
+            </a:r>
+            <a:r>
+              <a:rPr kumimoji="1" lang="ja-JP" altLang="en-US" dirty="0"/>
+              <a:t>いる敵キャラクターに依存する（体力、移動速度、弾種、当たり判定等</a:t>
             </a:r>
             <a:r>
               <a:rPr kumimoji="1" lang="ja-JP" altLang="en-US" dirty="0" smtClean="0"/>
@@ -7625,14 +7709,10 @@
             </a:r>
             <a:r>
               <a:rPr lang="ja-JP" altLang="en-US" dirty="0" smtClean="0"/>
-              <a:t>のショットをぎりぎりでかわすとボーナス得点</a:t>
-            </a:r>
-            <a:r>
-              <a:rPr lang="ja-JP" altLang="en-US" smtClean="0"/>
-              <a:t>が入る</a:t>
-            </a:r>
-            <a:r>
-              <a:rPr lang="el-GR" altLang="ja-JP" smtClean="0"/>
+              <a:t>のショットをぎりぎりでかわすとボーナス得点が入る</a:t>
+            </a:r>
+            <a:r>
+              <a:rPr lang="el-GR" altLang="ja-JP" dirty="0" smtClean="0"/>
               <a:t>( </a:t>
             </a:r>
             <a:r>
@@ -7797,7 +7877,15 @@
           <a:p>
             <a:r>
               <a:rPr kumimoji="1" lang="ja-JP" altLang="en-US" dirty="0"/>
-              <a:t>敵キャラクターに取り憑いていない状態の自プレイヤーは弱体化弾という弾を打つことができる</a:t>
+              <a:t>敵キャラクター</a:t>
+            </a:r>
+            <a:r>
+              <a:rPr kumimoji="1" lang="ja-JP" altLang="en-US" dirty="0" smtClean="0"/>
+              <a:t>に取り付いて</a:t>
+            </a:r>
+            <a:r>
+              <a:rPr kumimoji="1" lang="ja-JP" altLang="en-US" dirty="0"/>
+              <a:t>いない状態の自プレイヤーは弱体化弾という弾を打つことができる</a:t>
             </a:r>
             <a:r>
               <a:rPr lang="ja-JP" altLang="en-US" dirty="0"/>
@@ -8005,8 +8093,8 @@
           <a:lstStyle/>
           <a:p>
             <a:r>
-              <a:rPr lang="ja-JP" altLang="en-US" dirty="0"/>
-              <a:t>憑依状態</a:t>
+              <a:rPr lang="ja-JP" altLang="en-US" dirty="0" smtClean="0"/>
+              <a:t>寄生状態</a:t>
             </a:r>
             <a:endParaRPr kumimoji="1" lang="ja-JP" altLang="en-US" dirty="0"/>
           </a:p>
@@ -8035,7 +8123,23 @@
           <a:p>
             <a:r>
               <a:rPr kumimoji="1" lang="ja-JP" altLang="en-US" dirty="0"/>
-              <a:t>敵キャラクターに取り憑いている状態のこと</a:t>
+              <a:t>敵キャラクターに</a:t>
+            </a:r>
+            <a:r>
+              <a:rPr kumimoji="1" lang="ja-JP" altLang="en-US" dirty="0" smtClean="0"/>
+              <a:t>取り</a:t>
+            </a:r>
+            <a:r>
+              <a:rPr lang="ja-JP" altLang="en-US" dirty="0"/>
+              <a:t>付</a:t>
+            </a:r>
+            <a:r>
+              <a:rPr kumimoji="1" lang="ja-JP" altLang="en-US" dirty="0" smtClean="0"/>
+              <a:t>いて</a:t>
+            </a:r>
+            <a:r>
+              <a:rPr kumimoji="1" lang="ja-JP" altLang="en-US" dirty="0"/>
+              <a:t>いる状態のこと</a:t>
             </a:r>
             <a:endParaRPr kumimoji="1" lang="en-US" altLang="ja-JP" dirty="0"/>
           </a:p>
@@ -8049,7 +8153,15 @@
           <a:p>
             <a:r>
               <a:rPr lang="ja-JP" altLang="en-US" dirty="0"/>
-              <a:t>この状態ではステータスは取り憑いている敵キャラクターに依存する</a:t>
+              <a:t>この状態ではステータス</a:t>
+            </a:r>
+            <a:r>
+              <a:rPr lang="ja-JP" altLang="en-US" dirty="0" smtClean="0"/>
+              <a:t>は取り付いて</a:t>
+            </a:r>
+            <a:r>
+              <a:rPr lang="ja-JP" altLang="en-US" dirty="0"/>
+              <a:t>いる敵キャラクターに依存する</a:t>
             </a:r>
             <a:endParaRPr lang="en-US" altLang="ja-JP" dirty="0"/>
           </a:p>
@@ -8060,21 +8172,45 @@
             </a:r>
             <a:r>
               <a:rPr lang="ja-JP" altLang="en-US" dirty="0"/>
-              <a:t>はダメージを受けないが取り憑いているキャラクターはダメージを受けてしまう。ダメージが体力を上回ると取り憑いている敵キャラクターは消滅し、初期状態のプレイヤーに戻されてしまう</a:t>
+              <a:t>はダメージを受けない</a:t>
+            </a:r>
+            <a:r>
+              <a:rPr lang="ja-JP" altLang="en-US" dirty="0" smtClean="0"/>
+              <a:t>が取り付いて</a:t>
+            </a:r>
+            <a:r>
+              <a:rPr lang="ja-JP" altLang="en-US" dirty="0"/>
+              <a:t>いるキャラクターはダメージを受けてしまう。ダメージが体力を上回る</a:t>
+            </a:r>
+            <a:r>
+              <a:rPr lang="ja-JP" altLang="en-US" dirty="0" smtClean="0"/>
+              <a:t>と取り付いて</a:t>
+            </a:r>
+            <a:r>
+              <a:rPr lang="ja-JP" altLang="en-US" dirty="0"/>
+              <a:t>いる敵キャラクターは消滅し、初期状態のプレイヤーに戻されてしまう</a:t>
             </a:r>
             <a:endParaRPr lang="en-US" altLang="ja-JP" dirty="0"/>
           </a:p>
           <a:p>
             <a:r>
-              <a:rPr kumimoji="1" lang="ja-JP" altLang="en-US" dirty="0"/>
-              <a:t>憑依状態の敵キャラクターは任意のキー入力で解除・消滅させることもできるその場合プレイヤーは初期状態になる</a:t>
+              <a:rPr kumimoji="1" lang="ja-JP" altLang="en-US" dirty="0" smtClean="0"/>
+              <a:t>寄生状態</a:t>
+            </a:r>
+            <a:r>
+              <a:rPr kumimoji="1" lang="ja-JP" altLang="en-US" dirty="0"/>
+              <a:t>の敵キャラクターは任意のキー入力で解除・消滅させることもできるその場合プレイヤーは初期状態になる</a:t>
             </a:r>
             <a:endParaRPr kumimoji="1" lang="en-US" altLang="ja-JP" dirty="0"/>
           </a:p>
           <a:p>
             <a:r>
+              <a:rPr lang="ja-JP" altLang="en-US" dirty="0" smtClean="0"/>
+              <a:t>寄生直後及び寄生状態</a:t>
+            </a:r>
+            <a:r>
               <a:rPr lang="ja-JP" altLang="en-US" dirty="0"/>
-              <a:t>憑依直後及び憑依状態から解除された後数フレーム無敵時間を設ける</a:t>
+              <a:t>から解除された後数フレーム無敵時間を設ける</a:t>
             </a:r>
             <a:endParaRPr kumimoji="1" lang="ja-JP" altLang="en-US" dirty="0"/>
           </a:p>
@@ -8378,7 +8514,7 @@
           </a:p>
           <a:p>
             <a:r>
-              <a:rPr lang="ja-JP" altLang="en-US" smtClean="0"/>
+              <a:rPr lang="ja-JP" altLang="en-US" dirty="0" smtClean="0"/>
               <a:t>レーザー式・・・敵キャラクターが打つことができる</a:t>
             </a:r>
             <a:endParaRPr kumimoji="1" lang="en-US" altLang="ja-JP" dirty="0"/>
@@ -8393,7 +8529,11 @@
           <a:p>
             <a:r>
               <a:rPr kumimoji="1" lang="ja-JP" altLang="en-US" dirty="0"/>
-              <a:t>威力は体力ゲージがあるキャラクターへのダメージであり憑依前</a:t>
+              <a:t>威力は体力ゲージがあるキャラクターへのダメージで</a:t>
+            </a:r>
+            <a:r>
+              <a:rPr kumimoji="1" lang="ja-JP" altLang="en-US" dirty="0" smtClean="0"/>
+              <a:t>あり寄生前</a:t>
             </a:r>
             <a:r>
               <a:rPr kumimoji="1" lang="ja-JP" altLang="en-US" dirty="0" smtClean="0"/>
@@ -8502,7 +8642,15 @@
           <a:p>
             <a:r>
               <a:rPr kumimoji="1" lang="ja-JP" altLang="en-US" dirty="0"/>
-              <a:t>プレイヤーは敵キャラに取り憑くことができる。</a:t>
+              <a:t>プレイヤーは敵キャラ</a:t>
+            </a:r>
+            <a:r>
+              <a:rPr kumimoji="1" lang="ja-JP" altLang="en-US" dirty="0" smtClean="0"/>
+              <a:t>に取り付くこと</a:t>
+            </a:r>
+            <a:r>
+              <a:rPr kumimoji="1" lang="ja-JP" altLang="en-US" dirty="0"/>
+              <a:t>ができる。</a:t>
             </a:r>
             <a:endParaRPr kumimoji="1" lang="en-US" altLang="ja-JP" dirty="0"/>
           </a:p>
@@ -8530,8 +8678,28 @@
           </a:p>
           <a:p>
             <a:r>
+              <a:rPr lang="ja-JP" altLang="en-US" dirty="0" smtClean="0"/>
+              <a:t>寄生は</a:t>
+            </a:r>
+            <a:r>
               <a:rPr lang="ja-JP" altLang="en-US" dirty="0"/>
-              <a:t>憑依は一体ずつしかできない（別の敵に憑依したければ今の憑依を解かなければならない）</a:t>
+              <a:t>一体ずつしかできない（別の敵</a:t>
+            </a:r>
+            <a:r>
+              <a:rPr lang="ja-JP" altLang="en-US" dirty="0" smtClean="0"/>
+              <a:t>に寄生したければ</a:t>
+            </a:r>
+            <a:r>
+              <a:rPr lang="ja-JP" altLang="en-US" dirty="0"/>
+              <a:t>今</a:t>
+            </a:r>
+            <a:r>
+              <a:rPr lang="ja-JP" altLang="en-US" dirty="0" smtClean="0"/>
+              <a:t>の寄生を</a:t>
+            </a:r>
+            <a:r>
+              <a:rPr lang="ja-JP" altLang="en-US" dirty="0"/>
+              <a:t>解かなければならない）</a:t>
             </a:r>
             <a:endParaRPr lang="en-US" altLang="ja-JP" dirty="0"/>
           </a:p>
